--- a/Project Ideas/John/Final_Project_Ideas.pptx
+++ b/Project Ideas/John/Final_Project_Ideas.pptx
@@ -11,6 +11,7 @@
     <p:sldId id="261" r:id="rId5"/>
     <p:sldId id="262" r:id="rId6"/>
     <p:sldId id="263" r:id="rId7"/>
+    <p:sldId id="264" r:id="rId8"/>
   </p:sldIdLst>
   <p:sldSz cx="12192000" cy="6858000"/>
   <p:notesSz cx="6858000" cy="9144000"/>
@@ -284,7 +285,7 @@
           <a:p>
             <a:fld id="{5BC34E6C-20FD-4F69-8602-2685E0412272}" type="datetimeFigureOut">
               <a:rPr lang="en-US" smtClean="0"/>
-              <a:t>7/9/22</a:t>
+              <a:t>7/11/22</a:t>
             </a:fld>
             <a:endParaRPr lang="en-US"/>
           </a:p>
@@ -482,7 +483,7 @@
           <a:p>
             <a:fld id="{5BC34E6C-20FD-4F69-8602-2685E0412272}" type="datetimeFigureOut">
               <a:rPr lang="en-US" smtClean="0"/>
-              <a:t>7/9/22</a:t>
+              <a:t>7/11/22</a:t>
             </a:fld>
             <a:endParaRPr lang="en-US"/>
           </a:p>
@@ -690,7 +691,7 @@
           <a:p>
             <a:fld id="{5BC34E6C-20FD-4F69-8602-2685E0412272}" type="datetimeFigureOut">
               <a:rPr lang="en-US" smtClean="0"/>
-              <a:t>7/9/22</a:t>
+              <a:t>7/11/22</a:t>
             </a:fld>
             <a:endParaRPr lang="en-US"/>
           </a:p>
@@ -888,7 +889,7 @@
           <a:p>
             <a:fld id="{5BC34E6C-20FD-4F69-8602-2685E0412272}" type="datetimeFigureOut">
               <a:rPr lang="en-US" smtClean="0"/>
-              <a:t>7/9/22</a:t>
+              <a:t>7/11/22</a:t>
             </a:fld>
             <a:endParaRPr lang="en-US"/>
           </a:p>
@@ -1163,7 +1164,7 @@
           <a:p>
             <a:fld id="{5BC34E6C-20FD-4F69-8602-2685E0412272}" type="datetimeFigureOut">
               <a:rPr lang="en-US" smtClean="0"/>
-              <a:t>7/9/22</a:t>
+              <a:t>7/11/22</a:t>
             </a:fld>
             <a:endParaRPr lang="en-US"/>
           </a:p>
@@ -1428,7 +1429,7 @@
           <a:p>
             <a:fld id="{5BC34E6C-20FD-4F69-8602-2685E0412272}" type="datetimeFigureOut">
               <a:rPr lang="en-US" smtClean="0"/>
-              <a:t>7/9/22</a:t>
+              <a:t>7/11/22</a:t>
             </a:fld>
             <a:endParaRPr lang="en-US"/>
           </a:p>
@@ -1840,7 +1841,7 @@
           <a:p>
             <a:fld id="{5BC34E6C-20FD-4F69-8602-2685E0412272}" type="datetimeFigureOut">
               <a:rPr lang="en-US" smtClean="0"/>
-              <a:t>7/9/22</a:t>
+              <a:t>7/11/22</a:t>
             </a:fld>
             <a:endParaRPr lang="en-US"/>
           </a:p>
@@ -1981,7 +1982,7 @@
           <a:p>
             <a:fld id="{5BC34E6C-20FD-4F69-8602-2685E0412272}" type="datetimeFigureOut">
               <a:rPr lang="en-US" smtClean="0"/>
-              <a:t>7/9/22</a:t>
+              <a:t>7/11/22</a:t>
             </a:fld>
             <a:endParaRPr lang="en-US"/>
           </a:p>
@@ -2094,7 +2095,7 @@
           <a:p>
             <a:fld id="{5BC34E6C-20FD-4F69-8602-2685E0412272}" type="datetimeFigureOut">
               <a:rPr lang="en-US" smtClean="0"/>
-              <a:t>7/9/22</a:t>
+              <a:t>7/11/22</a:t>
             </a:fld>
             <a:endParaRPr lang="en-US"/>
           </a:p>
@@ -2405,7 +2406,7 @@
           <a:p>
             <a:fld id="{5BC34E6C-20FD-4F69-8602-2685E0412272}" type="datetimeFigureOut">
               <a:rPr lang="en-US" smtClean="0"/>
-              <a:t>7/9/22</a:t>
+              <a:t>7/11/22</a:t>
             </a:fld>
             <a:endParaRPr lang="en-US"/>
           </a:p>
@@ -2693,7 +2694,7 @@
           <a:p>
             <a:fld id="{5BC34E6C-20FD-4F69-8602-2685E0412272}" type="datetimeFigureOut">
               <a:rPr lang="en-US" smtClean="0"/>
-              <a:t>7/9/22</a:t>
+              <a:t>7/11/22</a:t>
             </a:fld>
             <a:endParaRPr lang="en-US"/>
           </a:p>
@@ -2934,7 +2935,7 @@
           <a:p>
             <a:fld id="{5BC34E6C-20FD-4F69-8602-2685E0412272}" type="datetimeFigureOut">
               <a:rPr lang="en-US" smtClean="0"/>
-              <a:t>7/9/22</a:t>
+              <a:t>7/11/22</a:t>
             </a:fld>
             <a:endParaRPr lang="en-US"/>
           </a:p>
@@ -5935,7 +5936,7 @@
                   <a:srgbClr val="FFFFFF"/>
                 </a:solidFill>
               </a:rPr>
-              <a:t>Idea #3:</a:t>
+              <a:t>Idea #3: Phish Set-List Predictor</a:t>
             </a:r>
           </a:p>
         </p:txBody>
@@ -6066,7 +6067,27 @@
                   <a:srgbClr val="FFFFFF"/>
                 </a:solidFill>
               </a:rPr>
-              <a:t>Utilize statistical variability</a:t>
+              <a:t>Phish: Vermont based Jam Band</a:t>
+            </a:r>
+          </a:p>
+          <a:p>
+            <a:r>
+              <a:rPr lang="en-US" sz="2000" dirty="0">
+                <a:solidFill>
+                  <a:srgbClr val="FFFFFF"/>
+                </a:solidFill>
+              </a:rPr>
+              <a:t>Over 300 songs, of which greater than 200 are still in their live set-list rotation</a:t>
+            </a:r>
+          </a:p>
+          <a:p>
+            <a:r>
+              <a:rPr lang="en-US" sz="2000" dirty="0">
+                <a:solidFill>
+                  <a:srgbClr val="FFFFFF"/>
+                </a:solidFill>
+              </a:rPr>
+              <a:t>Problem: You want to predict the likelihood of you favorite songs being played at the upcoming Phish show</a:t>
             </a:r>
           </a:p>
           <a:p>
@@ -6078,10 +6099,429 @@
           </a:p>
         </p:txBody>
       </p:sp>
+      <p:pic>
+        <p:nvPicPr>
+          <p:cNvPr id="4" name="Picture 3">
+            <a:extLst>
+              <a:ext uri="{FF2B5EF4-FFF2-40B4-BE49-F238E27FC236}">
+                <a16:creationId xmlns:a16="http://schemas.microsoft.com/office/drawing/2014/main" id="{4F9781CF-2DB3-2F08-34CD-111EA238EF68}"/>
+              </a:ext>
+            </a:extLst>
+          </p:cNvPr>
+          <p:cNvPicPr>
+            <a:picLocks noChangeAspect="1"/>
+          </p:cNvPicPr>
+          <p:nvPr/>
+        </p:nvPicPr>
+        <p:blipFill>
+          <a:blip r:embed="rId2"/>
+          <a:stretch>
+            <a:fillRect/>
+          </a:stretch>
+        </p:blipFill>
+        <p:spPr>
+          <a:xfrm>
+            <a:off x="321732" y="2455526"/>
+            <a:ext cx="5212851" cy="4000424"/>
+          </a:xfrm>
+          <a:prstGeom prst="rect">
+            <a:avLst/>
+          </a:prstGeom>
+        </p:spPr>
+      </p:pic>
     </p:spTree>
     <p:extLst>
       <p:ext uri="{BB962C8B-B14F-4D97-AF65-F5344CB8AC3E}">
         <p14:creationId xmlns:p14="http://schemas.microsoft.com/office/powerpoint/2010/main" val="2509753423"/>
+      </p:ext>
+    </p:extLst>
+  </p:cSld>
+  <p:clrMapOvr>
+    <a:masterClrMapping/>
+  </p:clrMapOvr>
+</p:sld>
+</file>
+
+<file path=ppt/slides/slide7.xml><?xml version="1.0" encoding="utf-8"?>
+<p:sld xmlns:a="http://schemas.openxmlformats.org/drawingml/2006/main" xmlns:r="http://schemas.openxmlformats.org/officeDocument/2006/relationships" xmlns:p="http://schemas.openxmlformats.org/presentationml/2006/main">
+  <p:cSld>
+    <p:bg>
+      <p:bgPr>
+        <a:solidFill>
+          <a:schemeClr val="bg1"/>
+        </a:solidFill>
+        <a:effectLst/>
+      </p:bgPr>
+    </p:bg>
+    <p:spTree>
+      <p:nvGrpSpPr>
+        <p:cNvPr id="1" name=""/>
+        <p:cNvGrpSpPr/>
+        <p:nvPr/>
+      </p:nvGrpSpPr>
+      <p:grpSpPr>
+        <a:xfrm>
+          <a:off x="0" y="0"/>
+          <a:ext cx="0" cy="0"/>
+          <a:chOff x="0" y="0"/>
+          <a:chExt cx="0" cy="0"/>
+        </a:xfrm>
+      </p:grpSpPr>
+      <p:sp>
+        <p:nvSpPr>
+          <p:cNvPr id="12" name="Rectangle 11">
+            <a:extLst>
+              <a:ext uri="{FF2B5EF4-FFF2-40B4-BE49-F238E27FC236}">
+                <a16:creationId xmlns:a16="http://schemas.microsoft.com/office/drawing/2014/main" id="{4038CB10-1F5C-4D54-9DF7-12586DE5B007}"/>
+              </a:ext>
+              <a:ext uri="{C183D7F6-B498-43B3-948B-1728B52AA6E4}">
+                <adec:decorative xmlns:adec="http://schemas.microsoft.com/office/drawing/2017/decorative" val="1"/>
+              </a:ext>
+            </a:extLst>
+          </p:cNvPr>
+          <p:cNvSpPr>
+            <a:spLocks noGrp="1" noRot="1" noChangeAspect="1" noMove="1" noResize="1" noEditPoints="1" noAdjustHandles="1" noChangeArrowheads="1" noChangeShapeType="1" noTextEdit="1"/>
+          </p:cNvSpPr>
+          <p:nvPr>
+            <p:extLst>
+              <p:ext uri="{386F3935-93C4-4BCD-93E2-E3B085C9AB24}">
+                <p16:designElem xmlns:p16="http://schemas.microsoft.com/office/powerpoint/2015/main" val="1"/>
+              </p:ext>
+            </p:extLst>
+          </p:nvPr>
+        </p:nvSpPr>
+        <p:spPr>
+          <a:xfrm>
+            <a:off x="327546" y="321732"/>
+            <a:ext cx="7058307" cy="1964266"/>
+          </a:xfrm>
+          <a:prstGeom prst="rect">
+            <a:avLst/>
+          </a:prstGeom>
+          <a:solidFill>
+            <a:schemeClr val="accent5">
+              <a:alpha val="95000"/>
+            </a:schemeClr>
+          </a:solidFill>
+          <a:ln>
+            <a:noFill/>
+          </a:ln>
+        </p:spPr>
+        <p:style>
+          <a:lnRef idx="2">
+            <a:schemeClr val="accent1">
+              <a:shade val="50000"/>
+            </a:schemeClr>
+          </a:lnRef>
+          <a:fillRef idx="1">
+            <a:schemeClr val="accent1"/>
+          </a:fillRef>
+          <a:effectRef idx="0">
+            <a:schemeClr val="accent1"/>
+          </a:effectRef>
+          <a:fontRef idx="minor">
+            <a:schemeClr val="lt1"/>
+          </a:fontRef>
+        </p:style>
+        <p:txBody>
+          <a:bodyPr rtlCol="0" anchor="ctr"/>
+          <a:lstStyle/>
+          <a:p>
+            <a:pPr marL="0" marR="0" lvl="0" indent="0" algn="ctr" defTabSz="914400" rtl="0" eaLnBrk="1" fontAlgn="auto" latinLnBrk="0" hangingPunct="1">
+              <a:lnSpc>
+                <a:spcPct val="100000"/>
+              </a:lnSpc>
+              <a:spcBef>
+                <a:spcPts val="0"/>
+              </a:spcBef>
+              <a:spcAft>
+                <a:spcPts val="0"/>
+              </a:spcAft>
+              <a:buClrTx/>
+              <a:buSzTx/>
+              <a:buFontTx/>
+              <a:buNone/>
+              <a:tabLst/>
+              <a:defRPr/>
+            </a:pPr>
+            <a:endParaRPr kumimoji="0" lang="en-US" sz="1800" b="0" i="0" u="none" strike="noStrike" kern="1200" cap="none" spc="0" normalizeH="0" baseline="0" noProof="0">
+              <a:ln>
+                <a:noFill/>
+              </a:ln>
+              <a:solidFill>
+                <a:prstClr val="white"/>
+              </a:solidFill>
+              <a:effectLst/>
+              <a:uLnTx/>
+              <a:uFillTx/>
+              <a:latin typeface="Calibri" panose="020F0502020204030204"/>
+              <a:ea typeface="+mn-ea"/>
+              <a:cs typeface="+mn-cs"/>
+            </a:endParaRPr>
+          </a:p>
+        </p:txBody>
+      </p:sp>
+      <p:sp>
+        <p:nvSpPr>
+          <p:cNvPr id="2" name="Title 1">
+            <a:extLst>
+              <a:ext uri="{FF2B5EF4-FFF2-40B4-BE49-F238E27FC236}">
+                <a16:creationId xmlns:a16="http://schemas.microsoft.com/office/drawing/2014/main" id="{01A0DFD6-7F18-4B8E-A400-F138B62CA360}"/>
+              </a:ext>
+            </a:extLst>
+          </p:cNvPr>
+          <p:cNvSpPr>
+            <a:spLocks noGrp="1"/>
+          </p:cNvSpPr>
+          <p:nvPr>
+            <p:ph type="title"/>
+          </p:nvPr>
+        </p:nvSpPr>
+        <p:spPr>
+          <a:xfrm>
+            <a:off x="524256" y="491260"/>
+            <a:ext cx="6594189" cy="1625210"/>
+          </a:xfrm>
+        </p:spPr>
+        <p:txBody>
+          <a:bodyPr>
+            <a:normAutofit/>
+          </a:bodyPr>
+          <a:lstStyle/>
+          <a:p>
+            <a:r>
+              <a:rPr lang="en-US" dirty="0">
+                <a:solidFill>
+                  <a:srgbClr val="FFFFFF"/>
+                </a:solidFill>
+              </a:rPr>
+              <a:t>Idea #3: Phish Set-List Predictor</a:t>
+            </a:r>
+          </a:p>
+        </p:txBody>
+      </p:sp>
+      <p:sp>
+        <p:nvSpPr>
+          <p:cNvPr id="14" name="Rectangle 13">
+            <a:extLst>
+              <a:ext uri="{FF2B5EF4-FFF2-40B4-BE49-F238E27FC236}">
+                <a16:creationId xmlns:a16="http://schemas.microsoft.com/office/drawing/2014/main" id="{73ED6512-6858-4552-B699-9A97FE9A4EA2}"/>
+              </a:ext>
+              <a:ext uri="{C183D7F6-B498-43B3-948B-1728B52AA6E4}">
+                <adec:decorative xmlns:adec="http://schemas.microsoft.com/office/drawing/2017/decorative" val="1"/>
+              </a:ext>
+            </a:extLst>
+          </p:cNvPr>
+          <p:cNvSpPr>
+            <a:spLocks noGrp="1" noRot="1" noChangeAspect="1" noMove="1" noResize="1" noEditPoints="1" noAdjustHandles="1" noChangeArrowheads="1" noChangeShapeType="1" noTextEdit="1"/>
+          </p:cNvSpPr>
+          <p:nvPr>
+            <p:extLst>
+              <p:ext uri="{386F3935-93C4-4BCD-93E2-E3B085C9AB24}">
+                <p16:designElem xmlns:p16="http://schemas.microsoft.com/office/powerpoint/2015/main" val="1"/>
+              </p:ext>
+            </p:extLst>
+          </p:nvPr>
+        </p:nvSpPr>
+        <p:spPr>
+          <a:xfrm>
+            <a:off x="7556975" y="321732"/>
+            <a:ext cx="4313293" cy="6214534"/>
+          </a:xfrm>
+          <a:prstGeom prst="rect">
+            <a:avLst/>
+          </a:prstGeom>
+          <a:solidFill>
+            <a:srgbClr val="595959"/>
+          </a:solidFill>
+          <a:ln>
+            <a:noFill/>
+          </a:ln>
+        </p:spPr>
+        <p:style>
+          <a:lnRef idx="2">
+            <a:schemeClr val="accent1">
+              <a:shade val="50000"/>
+            </a:schemeClr>
+          </a:lnRef>
+          <a:fillRef idx="1">
+            <a:schemeClr val="accent1"/>
+          </a:fillRef>
+          <a:effectRef idx="0">
+            <a:schemeClr val="accent1"/>
+          </a:effectRef>
+          <a:fontRef idx="minor">
+            <a:schemeClr val="lt1"/>
+          </a:fontRef>
+        </p:style>
+        <p:txBody>
+          <a:bodyPr rtlCol="0" anchor="ctr"/>
+          <a:lstStyle/>
+          <a:p>
+            <a:pPr marL="0" marR="0" lvl="0" indent="0" algn="ctr" defTabSz="914400" rtl="0" eaLnBrk="1" fontAlgn="auto" latinLnBrk="0" hangingPunct="1">
+              <a:lnSpc>
+                <a:spcPct val="100000"/>
+              </a:lnSpc>
+              <a:spcBef>
+                <a:spcPts val="0"/>
+              </a:spcBef>
+              <a:spcAft>
+                <a:spcPts val="0"/>
+              </a:spcAft>
+              <a:buClrTx/>
+              <a:buSzTx/>
+              <a:buFontTx/>
+              <a:buNone/>
+              <a:tabLst/>
+              <a:defRPr/>
+            </a:pPr>
+            <a:endParaRPr kumimoji="0" lang="en-US" sz="1800" b="0" i="0" u="none" strike="noStrike" kern="1200" cap="none" spc="0" normalizeH="0" baseline="0" noProof="0">
+              <a:ln>
+                <a:noFill/>
+              </a:ln>
+              <a:solidFill>
+                <a:prstClr val="white"/>
+              </a:solidFill>
+              <a:effectLst/>
+              <a:uLnTx/>
+              <a:uFillTx/>
+              <a:latin typeface="Calibri" panose="020F0502020204030204"/>
+              <a:ea typeface="+mn-ea"/>
+              <a:cs typeface="+mn-cs"/>
+            </a:endParaRPr>
+          </a:p>
+        </p:txBody>
+      </p:sp>
+      <p:sp>
+        <p:nvSpPr>
+          <p:cNvPr id="3" name="Content Placeholder 2">
+            <a:extLst>
+              <a:ext uri="{FF2B5EF4-FFF2-40B4-BE49-F238E27FC236}">
+                <a16:creationId xmlns:a16="http://schemas.microsoft.com/office/drawing/2014/main" id="{F8EE4475-C18D-4E69-8C8E-01DF9D005AB8}"/>
+              </a:ext>
+            </a:extLst>
+          </p:cNvPr>
+          <p:cNvSpPr>
+            <a:spLocks noGrp="1"/>
+          </p:cNvSpPr>
+          <p:nvPr>
+            <p:ph idx="1"/>
+          </p:nvPr>
+        </p:nvSpPr>
+        <p:spPr>
+          <a:xfrm>
+            <a:off x="8029319" y="917725"/>
+            <a:ext cx="3424739" cy="4852362"/>
+          </a:xfrm>
+        </p:spPr>
+        <p:txBody>
+          <a:bodyPr anchor="ctr">
+            <a:normAutofit/>
+          </a:bodyPr>
+          <a:lstStyle/>
+          <a:p>
+            <a:r>
+              <a:rPr lang="en-US" sz="2000" dirty="0" err="1">
+                <a:solidFill>
+                  <a:srgbClr val="FFFFFF"/>
+                </a:solidFill>
+              </a:rPr>
+              <a:t>Phish.net</a:t>
+            </a:r>
+            <a:r>
+              <a:rPr lang="en-US" sz="2000" dirty="0">
+                <a:solidFill>
+                  <a:srgbClr val="FFFFFF"/>
+                </a:solidFill>
+              </a:rPr>
+              <a:t> has an open web API</a:t>
+            </a:r>
+          </a:p>
+          <a:p>
+            <a:r>
+              <a:rPr lang="en-US" sz="2000" dirty="0">
+                <a:solidFill>
+                  <a:srgbClr val="FFFFFF"/>
+                </a:solidFill>
+              </a:rPr>
+              <a:t>Live show and set-list data going back to 1983</a:t>
+            </a:r>
+          </a:p>
+          <a:p>
+            <a:r>
+              <a:rPr lang="en-US" sz="2000" dirty="0">
+                <a:solidFill>
+                  <a:srgbClr val="FFFFFF"/>
+                </a:solidFill>
+              </a:rPr>
+              <a:t>Train model based on previous set list, location, show number of tour, date, etc. to predict the next show’s set-list and determine if you should fork over $200 for tickets. </a:t>
+            </a:r>
+          </a:p>
+        </p:txBody>
+      </p:sp>
+      <p:pic>
+        <p:nvPicPr>
+          <p:cNvPr id="5" name="Picture 4">
+            <a:extLst>
+              <a:ext uri="{FF2B5EF4-FFF2-40B4-BE49-F238E27FC236}">
+                <a16:creationId xmlns:a16="http://schemas.microsoft.com/office/drawing/2014/main" id="{89CD2D24-72CD-9BB2-6B72-4570FE42A590}"/>
+              </a:ext>
+            </a:extLst>
+          </p:cNvPr>
+          <p:cNvPicPr>
+            <a:picLocks noChangeAspect="1"/>
+          </p:cNvPicPr>
+          <p:nvPr/>
+        </p:nvPicPr>
+        <p:blipFill>
+          <a:blip r:embed="rId2"/>
+          <a:stretch>
+            <a:fillRect/>
+          </a:stretch>
+        </p:blipFill>
+        <p:spPr>
+          <a:xfrm>
+            <a:off x="321732" y="2404676"/>
+            <a:ext cx="5639655" cy="4334653"/>
+          </a:xfrm>
+          <a:prstGeom prst="rect">
+            <a:avLst/>
+          </a:prstGeom>
+        </p:spPr>
+      </p:pic>
+      <p:pic>
+        <p:nvPicPr>
+          <p:cNvPr id="6" name="Picture 5">
+            <a:extLst>
+              <a:ext uri="{FF2B5EF4-FFF2-40B4-BE49-F238E27FC236}">
+                <a16:creationId xmlns:a16="http://schemas.microsoft.com/office/drawing/2014/main" id="{A79BC113-E336-458D-7742-58428654653C}"/>
+              </a:ext>
+            </a:extLst>
+          </p:cNvPr>
+          <p:cNvPicPr>
+            <a:picLocks noChangeAspect="1"/>
+          </p:cNvPicPr>
+          <p:nvPr/>
+        </p:nvPicPr>
+        <p:blipFill rotWithShape="1">
+          <a:blip r:embed="rId2"/>
+          <a:srcRect r="40805"/>
+          <a:stretch/>
+        </p:blipFill>
+        <p:spPr>
+          <a:xfrm>
+            <a:off x="3879010" y="2404676"/>
+            <a:ext cx="3417635" cy="4437504"/>
+          </a:xfrm>
+          <a:prstGeom prst="rect">
+            <a:avLst/>
+          </a:prstGeom>
+        </p:spPr>
+      </p:pic>
+    </p:spTree>
+    <p:extLst>
+      <p:ext uri="{BB962C8B-B14F-4D97-AF65-F5344CB8AC3E}">
+        <p14:creationId xmlns:p14="http://schemas.microsoft.com/office/powerpoint/2010/main" val="1125151510"/>
       </p:ext>
     </p:extLst>
   </p:cSld>
